--- a/第一次周会汇报内容/周会09-24.pptx
+++ b/第一次周会汇报内容/周会09-24.pptx
@@ -11,9 +11,9 @@
     <p:sldId id="256" r:id="rId2"/>
     <p:sldId id="257" r:id="rId3"/>
     <p:sldId id="258" r:id="rId4"/>
-    <p:sldId id="262" r:id="rId5"/>
-    <p:sldId id="259" r:id="rId6"/>
-    <p:sldId id="260" r:id="rId7"/>
+    <p:sldId id="260" r:id="rId5"/>
+    <p:sldId id="262" r:id="rId6"/>
+    <p:sldId id="259" r:id="rId7"/>
     <p:sldId id="261" r:id="rId8"/>
     <p:sldId id="263" r:id="rId9"/>
   </p:sldIdLst>
@@ -114,6 +114,11 @@
       </a:defRPr>
     </a:lvl9pPr>
   </p:defaultTextStyle>
+  <p:extLst>
+    <p:ext uri="{EFAFB233-063F-42B5-8137-9DF3F51BA10A}">
+      <p15:sldGuideLst xmlns:p15="http://schemas.microsoft.com/office/powerpoint/2012/main"/>
+    </p:ext>
+  </p:extLst>
 </p:presentation>
 </file>
 
@@ -211,7 +216,7 @@
           <a:p>
             <a:fld id="{D639042E-54F2-47FB-8723-A9CF6B9D99A0}" type="datetimeFigureOut">
               <a:rPr lang="zh-CN" altLang="en-US" smtClean="0"/>
-              <a:t>2020/9/24</a:t>
+              <a:t>2020/9/25</a:t>
             </a:fld>
             <a:endParaRPr lang="zh-CN" altLang="en-US"/>
           </a:p>
@@ -636,7 +641,7 @@
     </p:spTree>
     <p:extLst>
       <p:ext uri="{BB962C8B-B14F-4D97-AF65-F5344CB8AC3E}">
-        <p14:creationId xmlns:p14="http://schemas.microsoft.com/office/powerpoint/2010/main" val="3284346422"/>
+        <p14:creationId xmlns:p14="http://schemas.microsoft.com/office/powerpoint/2010/main" val="859086095"/>
       </p:ext>
     </p:extLst>
   </p:cSld>
@@ -720,7 +725,7 @@
     </p:spTree>
     <p:extLst>
       <p:ext uri="{BB962C8B-B14F-4D97-AF65-F5344CB8AC3E}">
-        <p14:creationId xmlns:p14="http://schemas.microsoft.com/office/powerpoint/2010/main" val="3953689933"/>
+        <p14:creationId xmlns:p14="http://schemas.microsoft.com/office/powerpoint/2010/main" val="3284346422"/>
       </p:ext>
     </p:extLst>
   </p:cSld>
@@ -804,7 +809,7 @@
     </p:spTree>
     <p:extLst>
       <p:ext uri="{BB962C8B-B14F-4D97-AF65-F5344CB8AC3E}">
-        <p14:creationId xmlns:p14="http://schemas.microsoft.com/office/powerpoint/2010/main" val="859086095"/>
+        <p14:creationId xmlns:p14="http://schemas.microsoft.com/office/powerpoint/2010/main" val="3953689933"/>
       </p:ext>
     </p:extLst>
   </p:cSld>
@@ -1129,7 +1134,7 @@
           <a:p>
             <a:fld id="{024ED15F-BEBA-4F45-8859-5FE334CA5374}" type="datetimeFigureOut">
               <a:rPr lang="zh-CN" altLang="en-US" smtClean="0"/>
-              <a:t>2020/9/24</a:t>
+              <a:t>2020/9/25</a:t>
             </a:fld>
             <a:endParaRPr lang="zh-CN" altLang="en-US"/>
           </a:p>
@@ -1327,7 +1332,7 @@
           <a:p>
             <a:fld id="{024ED15F-BEBA-4F45-8859-5FE334CA5374}" type="datetimeFigureOut">
               <a:rPr lang="zh-CN" altLang="en-US" smtClean="0"/>
-              <a:t>2020/9/24</a:t>
+              <a:t>2020/9/25</a:t>
             </a:fld>
             <a:endParaRPr lang="zh-CN" altLang="en-US"/>
           </a:p>
@@ -1535,7 +1540,7 @@
           <a:p>
             <a:fld id="{024ED15F-BEBA-4F45-8859-5FE334CA5374}" type="datetimeFigureOut">
               <a:rPr lang="zh-CN" altLang="en-US" smtClean="0"/>
-              <a:t>2020/9/24</a:t>
+              <a:t>2020/9/25</a:t>
             </a:fld>
             <a:endParaRPr lang="zh-CN" altLang="en-US"/>
           </a:p>
@@ -1733,7 +1738,7 @@
           <a:p>
             <a:fld id="{024ED15F-BEBA-4F45-8859-5FE334CA5374}" type="datetimeFigureOut">
               <a:rPr lang="zh-CN" altLang="en-US" smtClean="0"/>
-              <a:t>2020/9/24</a:t>
+              <a:t>2020/9/25</a:t>
             </a:fld>
             <a:endParaRPr lang="zh-CN" altLang="en-US"/>
           </a:p>
@@ -2008,7 +2013,7 @@
           <a:p>
             <a:fld id="{024ED15F-BEBA-4F45-8859-5FE334CA5374}" type="datetimeFigureOut">
               <a:rPr lang="zh-CN" altLang="en-US" smtClean="0"/>
-              <a:t>2020/9/24</a:t>
+              <a:t>2020/9/25</a:t>
             </a:fld>
             <a:endParaRPr lang="zh-CN" altLang="en-US"/>
           </a:p>
@@ -2273,7 +2278,7 @@
           <a:p>
             <a:fld id="{024ED15F-BEBA-4F45-8859-5FE334CA5374}" type="datetimeFigureOut">
               <a:rPr lang="zh-CN" altLang="en-US" smtClean="0"/>
-              <a:t>2020/9/24</a:t>
+              <a:t>2020/9/25</a:t>
             </a:fld>
             <a:endParaRPr lang="zh-CN" altLang="en-US"/>
           </a:p>
@@ -2685,7 +2690,7 @@
           <a:p>
             <a:fld id="{024ED15F-BEBA-4F45-8859-5FE334CA5374}" type="datetimeFigureOut">
               <a:rPr lang="zh-CN" altLang="en-US" smtClean="0"/>
-              <a:t>2020/9/24</a:t>
+              <a:t>2020/9/25</a:t>
             </a:fld>
             <a:endParaRPr lang="zh-CN" altLang="en-US"/>
           </a:p>
@@ -2826,7 +2831,7 @@
           <a:p>
             <a:fld id="{024ED15F-BEBA-4F45-8859-5FE334CA5374}" type="datetimeFigureOut">
               <a:rPr lang="zh-CN" altLang="en-US" smtClean="0"/>
-              <a:t>2020/9/24</a:t>
+              <a:t>2020/9/25</a:t>
             </a:fld>
             <a:endParaRPr lang="zh-CN" altLang="en-US"/>
           </a:p>
@@ -2939,7 +2944,7 @@
           <a:p>
             <a:fld id="{024ED15F-BEBA-4F45-8859-5FE334CA5374}" type="datetimeFigureOut">
               <a:rPr lang="zh-CN" altLang="en-US" smtClean="0"/>
-              <a:t>2020/9/24</a:t>
+              <a:t>2020/9/25</a:t>
             </a:fld>
             <a:endParaRPr lang="zh-CN" altLang="en-US"/>
           </a:p>
@@ -3250,7 +3255,7 @@
           <a:p>
             <a:fld id="{024ED15F-BEBA-4F45-8859-5FE334CA5374}" type="datetimeFigureOut">
               <a:rPr lang="zh-CN" altLang="en-US" smtClean="0"/>
-              <a:t>2020/9/24</a:t>
+              <a:t>2020/9/25</a:t>
             </a:fld>
             <a:endParaRPr lang="zh-CN" altLang="en-US"/>
           </a:p>
@@ -3538,7 +3543,7 @@
           <a:p>
             <a:fld id="{024ED15F-BEBA-4F45-8859-5FE334CA5374}" type="datetimeFigureOut">
               <a:rPr lang="zh-CN" altLang="en-US" smtClean="0"/>
-              <a:t>2020/9/24</a:t>
+              <a:t>2020/9/25</a:t>
             </a:fld>
             <a:endParaRPr lang="zh-CN" altLang="en-US"/>
           </a:p>
@@ -3779,7 +3784,7 @@
           <a:p>
             <a:fld id="{024ED15F-BEBA-4F45-8859-5FE334CA5374}" type="datetimeFigureOut">
               <a:rPr lang="zh-CN" altLang="en-US" smtClean="0"/>
-              <a:t>2020/9/24</a:t>
+              <a:t>2020/9/25</a:t>
             </a:fld>
             <a:endParaRPr lang="zh-CN" altLang="en-US"/>
           </a:p>
@@ -4819,7 +4824,15 @@
             </a:r>
             <a:r>
               <a:rPr lang="zh-CN" altLang="en-US" dirty="0"/>
-              <a:t>置一输出高电平。</a:t>
+              <a:t>置</a:t>
+            </a:r>
+            <a:r>
+              <a:rPr lang="en-US" altLang="zh-CN" dirty="0"/>
+              <a:t>1</a:t>
+            </a:r>
+            <a:r>
+              <a:rPr lang="zh-CN" altLang="en-US" dirty="0"/>
+              <a:t>输出高电平。</a:t>
             </a:r>
             <a:endParaRPr lang="zh-CN" altLang="en-US" sz="1800" dirty="0"/>
           </a:p>
@@ -4923,10 +4936,10 @@
       </p:pic>
       <p:pic>
         <p:nvPicPr>
-          <p:cNvPr id="6" name="图片 5">
-            <a:extLst>
-              <a:ext uri="{FF2B5EF4-FFF2-40B4-BE49-F238E27FC236}">
-                <a16:creationId xmlns:a16="http://schemas.microsoft.com/office/drawing/2014/main" id="{EE23C086-DC70-41F1-88C3-751F0ED11C22}"/>
+          <p:cNvPr id="3" name="图片 2">
+            <a:extLst>
+              <a:ext uri="{FF2B5EF4-FFF2-40B4-BE49-F238E27FC236}">
+                <a16:creationId xmlns:a16="http://schemas.microsoft.com/office/drawing/2014/main" id="{8ADD103F-E8BB-4691-8070-DFF5A5133409}"/>
               </a:ext>
             </a:extLst>
           </p:cNvPr>
@@ -4936,33 +4949,191 @@
           <p:nvPr/>
         </p:nvPicPr>
         <p:blipFill>
-          <a:blip r:embed="rId4">
-            <a:extLst>
-              <a:ext uri="{28A0092B-C50C-407E-A947-70E740481C1C}">
-                <a14:useLocalDpi xmlns:a14="http://schemas.microsoft.com/office/drawing/2010/main" val="0"/>
-              </a:ext>
-            </a:extLst>
-          </a:blip>
+          <a:blip r:embed="rId4"/>
           <a:stretch>
             <a:fillRect/>
           </a:stretch>
         </p:blipFill>
         <p:spPr>
           <a:xfrm>
-            <a:off x="924469" y="647114"/>
-            <a:ext cx="4950884" cy="6210886"/>
+            <a:off x="1371876" y="1102776"/>
+            <a:ext cx="9181824" cy="356192"/>
           </a:xfrm>
           <a:prstGeom prst="rect">
             <a:avLst/>
           </a:prstGeom>
         </p:spPr>
       </p:pic>
-      <p:sp>
-        <p:nvSpPr>
-          <p:cNvPr id="7" name="文本框 6">
-            <a:extLst>
-              <a:ext uri="{FF2B5EF4-FFF2-40B4-BE49-F238E27FC236}">
-                <a16:creationId xmlns:a16="http://schemas.microsoft.com/office/drawing/2014/main" id="{6157F9F4-9B2E-416F-A7D6-AC21399FAE33}"/>
+      <p:pic>
+        <p:nvPicPr>
+          <p:cNvPr id="7" name="图片 6">
+            <a:extLst>
+              <a:ext uri="{FF2B5EF4-FFF2-40B4-BE49-F238E27FC236}">
+                <a16:creationId xmlns:a16="http://schemas.microsoft.com/office/drawing/2014/main" id="{58926A1F-9AB9-40B1-893F-A9B60CB2A040}"/>
+              </a:ext>
+            </a:extLst>
+          </p:cNvPr>
+          <p:cNvPicPr>
+            <a:picLocks noChangeAspect="1"/>
+          </p:cNvPicPr>
+          <p:nvPr/>
+        </p:nvPicPr>
+        <p:blipFill rotWithShape="1">
+          <a:blip r:embed="rId5"/>
+          <a:srcRect l="1383" t="19936"/>
+          <a:stretch/>
+        </p:blipFill>
+        <p:spPr>
+          <a:xfrm>
+            <a:off x="1371875" y="1914630"/>
+            <a:ext cx="9054825" cy="257376"/>
+          </a:xfrm>
+          <a:prstGeom prst="rect">
+            <a:avLst/>
+          </a:prstGeom>
+        </p:spPr>
+      </p:pic>
+      <p:pic>
+        <p:nvPicPr>
+          <p:cNvPr id="9" name="图片 8">
+            <a:extLst>
+              <a:ext uri="{FF2B5EF4-FFF2-40B4-BE49-F238E27FC236}">
+                <a16:creationId xmlns:a16="http://schemas.microsoft.com/office/drawing/2014/main" id="{A5BF7B01-CE2A-4D7E-AF88-0E753FFC7B69}"/>
+              </a:ext>
+            </a:extLst>
+          </p:cNvPr>
+          <p:cNvPicPr>
+            <a:picLocks noChangeAspect="1"/>
+          </p:cNvPicPr>
+          <p:nvPr/>
+        </p:nvPicPr>
+        <p:blipFill>
+          <a:blip r:embed="rId6"/>
+          <a:stretch>
+            <a:fillRect/>
+          </a:stretch>
+        </p:blipFill>
+        <p:spPr>
+          <a:xfrm>
+            <a:off x="1244876" y="2639771"/>
+            <a:ext cx="9181824" cy="358816"/>
+          </a:xfrm>
+          <a:prstGeom prst="rect">
+            <a:avLst/>
+          </a:prstGeom>
+        </p:spPr>
+      </p:pic>
+      <p:pic>
+        <p:nvPicPr>
+          <p:cNvPr id="11" name="图片 10">
+            <a:extLst>
+              <a:ext uri="{FF2B5EF4-FFF2-40B4-BE49-F238E27FC236}">
+                <a16:creationId xmlns:a16="http://schemas.microsoft.com/office/drawing/2014/main" id="{C64DFFCA-90A3-4A1E-B546-8FA9B2442543}"/>
+              </a:ext>
+            </a:extLst>
+          </p:cNvPr>
+          <p:cNvPicPr>
+            <a:picLocks noChangeAspect="1"/>
+          </p:cNvPicPr>
+          <p:nvPr/>
+        </p:nvPicPr>
+        <p:blipFill>
+          <a:blip r:embed="rId7"/>
+          <a:stretch>
+            <a:fillRect/>
+          </a:stretch>
+        </p:blipFill>
+        <p:spPr>
+          <a:xfrm>
+            <a:off x="1244876" y="3429000"/>
+            <a:ext cx="9181824" cy="369010"/>
+          </a:xfrm>
+          <a:prstGeom prst="rect">
+            <a:avLst/>
+          </a:prstGeom>
+        </p:spPr>
+      </p:pic>
+      <p:sp>
+        <p:nvSpPr>
+          <p:cNvPr id="13" name="箭头: 下 12">
+            <a:extLst>
+              <a:ext uri="{FF2B5EF4-FFF2-40B4-BE49-F238E27FC236}">
+                <a16:creationId xmlns:a16="http://schemas.microsoft.com/office/drawing/2014/main" id="{733E66DF-803D-4BBB-B9D1-51EF369357AD}"/>
+              </a:ext>
+            </a:extLst>
+          </p:cNvPr>
+          <p:cNvSpPr/>
+          <p:nvPr/>
+        </p:nvSpPr>
+        <p:spPr>
+          <a:xfrm>
+            <a:off x="5562737" y="3893640"/>
+            <a:ext cx="673100" cy="571500"/>
+          </a:xfrm>
+          <a:prstGeom prst="downArrow">
+            <a:avLst/>
+          </a:prstGeom>
+        </p:spPr>
+        <p:style>
+          <a:lnRef idx="2">
+            <a:schemeClr val="accent1">
+              <a:shade val="50000"/>
+            </a:schemeClr>
+          </a:lnRef>
+          <a:fillRef idx="1">
+            <a:schemeClr val="accent1"/>
+          </a:fillRef>
+          <a:effectRef idx="0">
+            <a:schemeClr val="accent1"/>
+          </a:effectRef>
+          <a:fontRef idx="minor">
+            <a:schemeClr val="lt1"/>
+          </a:fontRef>
+        </p:style>
+        <p:txBody>
+          <a:bodyPr rtlCol="0" anchor="ctr"/>
+          <a:lstStyle/>
+          <a:p>
+            <a:pPr algn="ctr"/>
+            <a:endParaRPr lang="zh-CN" altLang="en-US"/>
+          </a:p>
+        </p:txBody>
+      </p:sp>
+      <p:pic>
+        <p:nvPicPr>
+          <p:cNvPr id="17" name="图片 16">
+            <a:extLst>
+              <a:ext uri="{FF2B5EF4-FFF2-40B4-BE49-F238E27FC236}">
+                <a16:creationId xmlns:a16="http://schemas.microsoft.com/office/drawing/2014/main" id="{BC2200D3-CA10-45DD-95F2-64079CBFCC48}"/>
+              </a:ext>
+            </a:extLst>
+          </p:cNvPr>
+          <p:cNvPicPr>
+            <a:picLocks noChangeAspect="1"/>
+          </p:cNvPicPr>
+          <p:nvPr/>
+        </p:nvPicPr>
+        <p:blipFill rotWithShape="1">
+          <a:blip r:embed="rId8"/>
+          <a:srcRect r="28812" b="-10726"/>
+          <a:stretch/>
+        </p:blipFill>
+        <p:spPr>
+          <a:xfrm>
+            <a:off x="2730776" y="4560770"/>
+            <a:ext cx="6464024" cy="571500"/>
+          </a:xfrm>
+          <a:prstGeom prst="rect">
+            <a:avLst/>
+          </a:prstGeom>
+        </p:spPr>
+      </p:pic>
+      <p:sp>
+        <p:nvSpPr>
+          <p:cNvPr id="18" name="文本框 17">
+            <a:extLst>
+              <a:ext uri="{FF2B5EF4-FFF2-40B4-BE49-F238E27FC236}">
+                <a16:creationId xmlns:a16="http://schemas.microsoft.com/office/drawing/2014/main" id="{5D8860E5-074F-48F2-A0EF-7E76A3CFAF92}"/>
               </a:ext>
             </a:extLst>
           </p:cNvPr>
@@ -4971,8 +5142,8 @@
         </p:nvSpPr>
         <p:spPr>
           <a:xfrm>
-            <a:off x="6433625" y="3244334"/>
-            <a:ext cx="4950885" cy="369332"/>
+            <a:off x="930693" y="5710364"/>
+            <a:ext cx="10330614" cy="369332"/>
           </a:xfrm>
           <a:prstGeom prst="rect">
             <a:avLst/>
@@ -4986,16 +5157,17 @@
           <a:lstStyle/>
           <a:p>
             <a:r>
-              <a:rPr lang="zh-CN" altLang="en-US" sz="1800" dirty="0"/>
-              <a:t>通过代码理解了基地址和偏移地址的实际意义。</a:t>
-            </a:r>
+              <a:rPr lang="zh-CN" altLang="en-US" dirty="0"/>
+              <a:t>通过宏定义的嵌套，将长而难记的寄存器地址转换为容易记忆且理解的代码，有助于用户编写代码。</a:t>
+            </a:r>
+            <a:endParaRPr lang="zh-CN" altLang="en-US" sz="1800" dirty="0"/>
           </a:p>
         </p:txBody>
       </p:sp>
     </p:spTree>
     <p:extLst>
       <p:ext uri="{BB962C8B-B14F-4D97-AF65-F5344CB8AC3E}">
-        <p14:creationId xmlns:p14="http://schemas.microsoft.com/office/powerpoint/2010/main" val="1895549219"/>
+        <p14:creationId xmlns:p14="http://schemas.microsoft.com/office/powerpoint/2010/main" val="2059639913"/>
       </p:ext>
     </p:extLst>
   </p:cSld>
@@ -5058,12 +5230,48 @@
           </a:prstGeom>
         </p:spPr>
       </p:pic>
-      <p:sp>
-        <p:nvSpPr>
-          <p:cNvPr id="5" name="文本框 4">
-            <a:extLst>
-              <a:ext uri="{FF2B5EF4-FFF2-40B4-BE49-F238E27FC236}">
-                <a16:creationId xmlns:a16="http://schemas.microsoft.com/office/drawing/2014/main" id="{00367EB4-A0A9-4236-9BCF-68EA3BA130AC}"/>
+      <p:pic>
+        <p:nvPicPr>
+          <p:cNvPr id="6" name="图片 5">
+            <a:extLst>
+              <a:ext uri="{FF2B5EF4-FFF2-40B4-BE49-F238E27FC236}">
+                <a16:creationId xmlns:a16="http://schemas.microsoft.com/office/drawing/2014/main" id="{EE23C086-DC70-41F1-88C3-751F0ED11C22}"/>
+              </a:ext>
+            </a:extLst>
+          </p:cNvPr>
+          <p:cNvPicPr>
+            <a:picLocks noChangeAspect="1"/>
+          </p:cNvPicPr>
+          <p:nvPr/>
+        </p:nvPicPr>
+        <p:blipFill>
+          <a:blip r:embed="rId4">
+            <a:extLst>
+              <a:ext uri="{28A0092B-C50C-407E-A947-70E740481C1C}">
+                <a14:useLocalDpi xmlns:a14="http://schemas.microsoft.com/office/drawing/2010/main" val="0"/>
+              </a:ext>
+            </a:extLst>
+          </a:blip>
+          <a:stretch>
+            <a:fillRect/>
+          </a:stretch>
+        </p:blipFill>
+        <p:spPr>
+          <a:xfrm>
+            <a:off x="924469" y="647114"/>
+            <a:ext cx="4950884" cy="6210886"/>
+          </a:xfrm>
+          <a:prstGeom prst="rect">
+            <a:avLst/>
+          </a:prstGeom>
+        </p:spPr>
+      </p:pic>
+      <p:sp>
+        <p:nvSpPr>
+          <p:cNvPr id="7" name="文本框 6">
+            <a:extLst>
+              <a:ext uri="{FF2B5EF4-FFF2-40B4-BE49-F238E27FC236}">
+                <a16:creationId xmlns:a16="http://schemas.microsoft.com/office/drawing/2014/main" id="{6157F9F4-9B2E-416F-A7D6-AC21399FAE33}"/>
               </a:ext>
             </a:extLst>
           </p:cNvPr>
@@ -5072,8 +5280,8 @@
         </p:nvSpPr>
         <p:spPr>
           <a:xfrm>
-            <a:off x="379829" y="1505970"/>
-            <a:ext cx="4825218" cy="3970318"/>
+            <a:off x="6433625" y="3244334"/>
+            <a:ext cx="4950885" cy="369332"/>
           </a:xfrm>
           <a:prstGeom prst="rect">
             <a:avLst/>
@@ -5081,382 +5289,22 @@
           <a:noFill/>
         </p:spPr>
         <p:txBody>
-          <a:bodyPr wrap="square">
-            <a:spAutoFit/>
-          </a:bodyPr>
-          <a:lstStyle/>
-          <a:p>
-            <a:r>
-              <a:rPr lang="zh-CN" altLang="en-US" dirty="0"/>
-              <a:t>int main(void)</a:t>
-            </a:r>
-          </a:p>
-          <a:p>
-            <a:r>
-              <a:rPr lang="zh-CN" altLang="en-US" dirty="0"/>
-              <a:t>{ </a:t>
-            </a:r>
-          </a:p>
-          <a:p>
-            <a:r>
-              <a:rPr lang="zh-CN" altLang="en-US" dirty="0"/>
-              <a:t>delay_init();		</a:t>
-            </a:r>
-          </a:p>
-          <a:p>
-            <a:r>
-              <a:rPr lang="zh-CN" altLang="en-US" dirty="0"/>
-              <a:t>LED_Init();		       </a:t>
-            </a:r>
-            <a:endParaRPr lang="en-US" altLang="zh-CN" dirty="0"/>
-          </a:p>
-          <a:p>
-            <a:r>
-              <a:rPr lang="zh-CN" altLang="en-US" dirty="0"/>
-              <a:t>while(1)</a:t>
-            </a:r>
-          </a:p>
-          <a:p>
-            <a:r>
-              <a:rPr lang="zh-CN" altLang="en-US" dirty="0"/>
-              <a:t>{</a:t>
-            </a:r>
-          </a:p>
-          <a:p>
-            <a:r>
-              <a:rPr lang="zh-CN" altLang="en-US" dirty="0"/>
-              <a:t>     </a:t>
-            </a:r>
-            <a:r>
-              <a:rPr lang="en-US" altLang="zh-CN" dirty="0"/>
-              <a:t>	</a:t>
-            </a:r>
-            <a:r>
-              <a:rPr lang="zh-CN" altLang="en-US" dirty="0"/>
-              <a:t>GPIOB-&gt;BRR=GPIO_Pin_5;//LED0亮</a:t>
-            </a:r>
-          </a:p>
-          <a:p>
-            <a:r>
-              <a:rPr lang="zh-CN" altLang="en-US" dirty="0"/>
-              <a:t>	 GPIOE-&gt;BSRR=GPIO_Pin_5;//LED1灭</a:t>
-            </a:r>
-          </a:p>
-          <a:p>
-            <a:r>
-              <a:rPr lang="zh-CN" altLang="en-US" dirty="0"/>
-              <a:t>	delay_ms(300);</a:t>
-            </a:r>
-          </a:p>
-          <a:p>
-            <a:r>
-              <a:rPr lang="zh-CN" altLang="en-US" dirty="0"/>
-              <a:t>     </a:t>
-            </a:r>
-            <a:r>
-              <a:rPr lang="en-US" altLang="zh-CN" dirty="0"/>
-              <a:t>	</a:t>
-            </a:r>
-            <a:r>
-              <a:rPr lang="zh-CN" altLang="en-US" dirty="0"/>
-              <a:t>GPIOB-&gt;BSRR=GPIO_Pin_5;//LED0灭</a:t>
-            </a:r>
-          </a:p>
-          <a:p>
-            <a:r>
-              <a:rPr lang="zh-CN" altLang="en-US" dirty="0"/>
-              <a:t>	  GPIOE-&gt;BRR=GPIO_Pin_5;//LED1亮</a:t>
-            </a:r>
-          </a:p>
-          <a:p>
-            <a:r>
-              <a:rPr lang="zh-CN" altLang="en-US" dirty="0"/>
-              <a:t>	delay_ms(300);</a:t>
-            </a:r>
-          </a:p>
-          <a:p>
-            <a:r>
-              <a:rPr lang="zh-CN" altLang="en-US" dirty="0"/>
-              <a:t>}</a:t>
-            </a:r>
-          </a:p>
-          <a:p>
-            <a:r>
-              <a:rPr lang="zh-CN" altLang="en-US" dirty="0"/>
-              <a:t>}</a:t>
-            </a:r>
-          </a:p>
-        </p:txBody>
-      </p:sp>
-      <p:sp>
-        <p:nvSpPr>
-          <p:cNvPr id="12" name="文本框 11">
-            <a:extLst>
-              <a:ext uri="{FF2B5EF4-FFF2-40B4-BE49-F238E27FC236}">
-                <a16:creationId xmlns:a16="http://schemas.microsoft.com/office/drawing/2014/main" id="{E9E405C7-1187-4424-AB6E-E907F5BC693F}"/>
-              </a:ext>
-            </a:extLst>
-          </p:cNvPr>
-          <p:cNvSpPr txBox="1"/>
-          <p:nvPr/>
-        </p:nvSpPr>
-        <p:spPr>
-          <a:xfrm>
-            <a:off x="5916427" y="1090472"/>
-            <a:ext cx="6616882" cy="5632311"/>
-          </a:xfrm>
-          <a:prstGeom prst="rect">
-            <a:avLst/>
-          </a:prstGeom>
-          <a:noFill/>
-        </p:spPr>
-        <p:txBody>
-          <a:bodyPr wrap="square">
-            <a:spAutoFit/>
-          </a:bodyPr>
-          <a:lstStyle/>
-          <a:p>
-            <a:r>
-              <a:rPr lang="zh-CN" altLang="en-US" dirty="0"/>
-              <a:t>void LED_Init(void)</a:t>
-            </a:r>
-          </a:p>
-          <a:p>
-            <a:r>
-              <a:rPr lang="zh-CN" altLang="en-US" dirty="0"/>
-              <a:t>{</a:t>
-            </a:r>
-          </a:p>
-          <a:p>
-            <a:r>
-              <a:rPr lang="zh-CN" altLang="en-US" dirty="0"/>
-              <a:t> </a:t>
-            </a:r>
-          </a:p>
-          <a:p>
-            <a:r>
-              <a:rPr lang="zh-CN" altLang="en-US" dirty="0"/>
-              <a:t> GPIO_InitTypeDef  GPIO_InitStructure;</a:t>
-            </a:r>
-            <a:endParaRPr lang="en-US" altLang="zh-CN" dirty="0"/>
-          </a:p>
-          <a:p>
-            <a:r>
-              <a:rPr lang="zh-CN" altLang="en-US" dirty="0"/>
-              <a:t>	</a:t>
-            </a:r>
-          </a:p>
-          <a:p>
-            <a:r>
-              <a:rPr lang="zh-CN" altLang="en-US" dirty="0"/>
-              <a:t> RCC_APB2PeriphClockCmd(RCC_APB2Periph_GPIOB|</a:t>
-            </a:r>
-            <a:endParaRPr lang="en-US" altLang="zh-CN" dirty="0"/>
-          </a:p>
-          <a:p>
-            <a:r>
-              <a:rPr lang="zh-CN" altLang="en-US" dirty="0"/>
-              <a:t> RCC_APB2Periph_GPIOE, ENABLE);	 //使能PB,PE端口时钟</a:t>
-            </a:r>
-            <a:endParaRPr lang="en-US" altLang="zh-CN" dirty="0"/>
-          </a:p>
-          <a:p>
-            <a:r>
-              <a:rPr lang="zh-CN" altLang="en-US" dirty="0"/>
-              <a:t>	</a:t>
-            </a:r>
-          </a:p>
-          <a:p>
-            <a:r>
-              <a:rPr lang="zh-CN" altLang="en-US" dirty="0"/>
-              <a:t> GPIO_InitStructure.GPIO_Pin = GPIO_Pin_5;			        GPIO_InitStructure.GPIO_Mode = GPIO_Mode_Out_PP; GPIO_InitStructure.GPIO_Speed = GPIO_Speed_50MHz;	</a:t>
-            </a:r>
-            <a:endParaRPr lang="en-US" altLang="zh-CN" dirty="0"/>
-          </a:p>
-          <a:p>
-            <a:r>
-              <a:rPr lang="zh-CN" altLang="en-US" dirty="0"/>
-              <a:t>	</a:t>
-            </a:r>
-          </a:p>
-          <a:p>
-            <a:r>
-              <a:rPr lang="zh-CN" altLang="en-US" dirty="0">
-                <a:solidFill>
-                  <a:srgbClr val="FF0000"/>
-                </a:solidFill>
-              </a:rPr>
-              <a:t> GPIO_Init(GPIOB, &amp;GPIO_InitStructure);</a:t>
-            </a:r>
-            <a:r>
-              <a:rPr lang="zh-CN" altLang="en-US" dirty="0"/>
-              <a:t>		 GPIO_SetBits(GPIOB,GPIO_Pin_5);						</a:t>
-            </a:r>
-          </a:p>
-          <a:p>
-            <a:r>
-              <a:rPr lang="zh-CN" altLang="en-US" dirty="0"/>
-              <a:t> GPIO_InitStructure.GPIO_Pin = GPIO_Pin_5;	    		</a:t>
-            </a:r>
-          </a:p>
-          <a:p>
-            <a:r>
-              <a:rPr lang="zh-CN" altLang="en-US" dirty="0"/>
-              <a:t> GPIO_Init(GPIOE, &amp;GPIO_InitStructure);	  	</a:t>
-            </a:r>
-          </a:p>
-          <a:p>
-            <a:r>
-              <a:rPr lang="zh-CN" altLang="en-US" dirty="0"/>
-              <a:t> GPIO_SetBits(GPIOE,GPIO_Pin_5); 				</a:t>
-            </a:r>
-          </a:p>
-          <a:p>
-            <a:r>
-              <a:rPr lang="zh-CN" altLang="en-US" dirty="0"/>
-              <a:t>}</a:t>
-            </a:r>
-          </a:p>
-          <a:p>
-            <a:r>
-              <a:rPr lang="zh-CN" altLang="en-US" dirty="0"/>
-              <a:t>  </a:t>
-            </a:r>
-          </a:p>
-        </p:txBody>
-      </p:sp>
-      <p:sp>
-        <p:nvSpPr>
-          <p:cNvPr id="15" name="文本框 14">
-            <a:extLst>
-              <a:ext uri="{FF2B5EF4-FFF2-40B4-BE49-F238E27FC236}">
-                <a16:creationId xmlns:a16="http://schemas.microsoft.com/office/drawing/2014/main" id="{987FAFAE-2088-449C-813C-F74CC7C86690}"/>
-              </a:ext>
-            </a:extLst>
-          </p:cNvPr>
-          <p:cNvSpPr txBox="1"/>
-          <p:nvPr/>
-        </p:nvSpPr>
-        <p:spPr>
-          <a:xfrm>
-            <a:off x="797860" y="891876"/>
-            <a:ext cx="1752390" cy="369332"/>
-          </a:xfrm>
-          <a:prstGeom prst="rect">
-            <a:avLst/>
-          </a:prstGeom>
-          <a:noFill/>
-        </p:spPr>
-        <p:txBody>
           <a:bodyPr wrap="square" numCol="1">
             <a:spAutoFit/>
           </a:bodyPr>
           <a:lstStyle/>
           <a:p>
             <a:r>
-              <a:rPr lang="zh-CN" altLang="en-US" dirty="0"/>
-              <a:t>例程代码：</a:t>
-            </a:r>
-            <a:endParaRPr lang="zh-CN" altLang="en-US" sz="1800" dirty="0"/>
-          </a:p>
-        </p:txBody>
-      </p:sp>
-      <p:sp>
-        <p:nvSpPr>
-          <p:cNvPr id="16" name="箭头: 右 15">
-            <a:extLst>
-              <a:ext uri="{FF2B5EF4-FFF2-40B4-BE49-F238E27FC236}">
-                <a16:creationId xmlns:a16="http://schemas.microsoft.com/office/drawing/2014/main" id="{04AF0F36-FA01-42D7-B3B6-43BA5EA2C248}"/>
-              </a:ext>
-            </a:extLst>
-          </p:cNvPr>
-          <p:cNvSpPr/>
-          <p:nvPr/>
-        </p:nvSpPr>
-        <p:spPr>
-          <a:xfrm>
-            <a:off x="1635851" y="2419643"/>
-            <a:ext cx="4107766" cy="239151"/>
-          </a:xfrm>
-          <a:prstGeom prst="rightArrow">
-            <a:avLst/>
-          </a:prstGeom>
-        </p:spPr>
-        <p:style>
-          <a:lnRef idx="2">
-            <a:schemeClr val="accent1">
-              <a:shade val="50000"/>
-            </a:schemeClr>
-          </a:lnRef>
-          <a:fillRef idx="1">
-            <a:schemeClr val="accent1"/>
-          </a:fillRef>
-          <a:effectRef idx="0">
-            <a:schemeClr val="accent1"/>
-          </a:effectRef>
-          <a:fontRef idx="minor">
-            <a:schemeClr val="lt1"/>
-          </a:fontRef>
-        </p:style>
-        <p:txBody>
-          <a:bodyPr rtlCol="0" anchor="ctr"/>
-          <a:lstStyle/>
-          <a:p>
-            <a:pPr algn="ctr"/>
-            <a:endParaRPr lang="zh-CN" altLang="en-US"/>
-          </a:p>
-        </p:txBody>
-      </p:sp>
-      <p:sp>
-        <p:nvSpPr>
-          <p:cNvPr id="19" name="矩形 18">
-            <a:extLst>
-              <a:ext uri="{FF2B5EF4-FFF2-40B4-BE49-F238E27FC236}">
-                <a16:creationId xmlns:a16="http://schemas.microsoft.com/office/drawing/2014/main" id="{3A40E49B-FA78-4DF3-AA0F-38E4DDC47C47}"/>
-              </a:ext>
-            </a:extLst>
-          </p:cNvPr>
-          <p:cNvSpPr/>
-          <p:nvPr/>
-        </p:nvSpPr>
-        <p:spPr>
-          <a:xfrm>
-            <a:off x="5794375" y="1197708"/>
-            <a:ext cx="122052" cy="5252134"/>
-          </a:xfrm>
-          <a:prstGeom prst="rect">
-            <a:avLst/>
-          </a:prstGeom>
-        </p:spPr>
-        <p:style>
-          <a:lnRef idx="2">
-            <a:schemeClr val="accent1">
-              <a:shade val="50000"/>
-            </a:schemeClr>
-          </a:lnRef>
-          <a:fillRef idx="1">
-            <a:schemeClr val="accent1"/>
-          </a:fillRef>
-          <a:effectRef idx="0">
-            <a:schemeClr val="accent1"/>
-          </a:effectRef>
-          <a:fontRef idx="minor">
-            <a:schemeClr val="lt1"/>
-          </a:fontRef>
-        </p:style>
-        <p:txBody>
-          <a:bodyPr rtlCol="0" anchor="ctr"/>
-          <a:lstStyle/>
-          <a:p>
-            <a:pPr algn="ctr"/>
-            <a:endParaRPr lang="zh-CN" altLang="en-US"/>
+              <a:rPr lang="zh-CN" altLang="en-US" sz="1800" dirty="0"/>
+              <a:t>通过代码理解了基地址和偏移地址的实际意义。</a:t>
+            </a:r>
           </a:p>
         </p:txBody>
       </p:sp>
     </p:spTree>
     <p:extLst>
       <p:ext uri="{BB962C8B-B14F-4D97-AF65-F5344CB8AC3E}">
-        <p14:creationId xmlns:p14="http://schemas.microsoft.com/office/powerpoint/2010/main" val="1487562780"/>
+        <p14:creationId xmlns:p14="http://schemas.microsoft.com/office/powerpoint/2010/main" val="1895549219"/>
       </p:ext>
     </p:extLst>
   </p:cSld>
@@ -5519,143 +5367,327 @@
           </a:prstGeom>
         </p:spPr>
       </p:pic>
-      <p:pic>
-        <p:nvPicPr>
-          <p:cNvPr id="3" name="图片 2">
-            <a:extLst>
-              <a:ext uri="{FF2B5EF4-FFF2-40B4-BE49-F238E27FC236}">
-                <a16:creationId xmlns:a16="http://schemas.microsoft.com/office/drawing/2014/main" id="{8ADD103F-E8BB-4691-8070-DFF5A5133409}"/>
-              </a:ext>
-            </a:extLst>
-          </p:cNvPr>
-          <p:cNvPicPr>
-            <a:picLocks noChangeAspect="1"/>
-          </p:cNvPicPr>
+      <p:sp>
+        <p:nvSpPr>
+          <p:cNvPr id="5" name="文本框 4">
+            <a:extLst>
+              <a:ext uri="{FF2B5EF4-FFF2-40B4-BE49-F238E27FC236}">
+                <a16:creationId xmlns:a16="http://schemas.microsoft.com/office/drawing/2014/main" id="{00367EB4-A0A9-4236-9BCF-68EA3BA130AC}"/>
+              </a:ext>
+            </a:extLst>
+          </p:cNvPr>
+          <p:cNvSpPr txBox="1"/>
           <p:nvPr/>
-        </p:nvPicPr>
-        <p:blipFill>
-          <a:blip r:embed="rId4"/>
-          <a:stretch>
-            <a:fillRect/>
-          </a:stretch>
-        </p:blipFill>
+        </p:nvSpPr>
         <p:spPr>
           <a:xfrm>
-            <a:off x="1371876" y="1102776"/>
-            <a:ext cx="9181824" cy="356192"/>
+            <a:off x="379829" y="1505970"/>
+            <a:ext cx="4825218" cy="3970318"/>
           </a:xfrm>
           <a:prstGeom prst="rect">
             <a:avLst/>
           </a:prstGeom>
+          <a:noFill/>
         </p:spPr>
-      </p:pic>
-      <p:pic>
-        <p:nvPicPr>
-          <p:cNvPr id="7" name="图片 6">
-            <a:extLst>
-              <a:ext uri="{FF2B5EF4-FFF2-40B4-BE49-F238E27FC236}">
-                <a16:creationId xmlns:a16="http://schemas.microsoft.com/office/drawing/2014/main" id="{58926A1F-9AB9-40B1-893F-A9B60CB2A040}"/>
-              </a:ext>
-            </a:extLst>
-          </p:cNvPr>
-          <p:cNvPicPr>
-            <a:picLocks noChangeAspect="1"/>
-          </p:cNvPicPr>
+        <p:txBody>
+          <a:bodyPr wrap="square">
+            <a:spAutoFit/>
+          </a:bodyPr>
+          <a:lstStyle/>
+          <a:p>
+            <a:r>
+              <a:rPr lang="zh-CN" altLang="en-US" dirty="0"/>
+              <a:t>int main(void)</a:t>
+            </a:r>
+          </a:p>
+          <a:p>
+            <a:r>
+              <a:rPr lang="zh-CN" altLang="en-US" dirty="0"/>
+              <a:t>{ </a:t>
+            </a:r>
+          </a:p>
+          <a:p>
+            <a:r>
+              <a:rPr lang="zh-CN" altLang="en-US" dirty="0"/>
+              <a:t>delay_init();		</a:t>
+            </a:r>
+          </a:p>
+          <a:p>
+            <a:r>
+              <a:rPr lang="zh-CN" altLang="en-US" dirty="0"/>
+              <a:t>LED_Init();		       </a:t>
+            </a:r>
+            <a:endParaRPr lang="en-US" altLang="zh-CN" dirty="0"/>
+          </a:p>
+          <a:p>
+            <a:r>
+              <a:rPr lang="zh-CN" altLang="en-US" dirty="0"/>
+              <a:t>while(1)</a:t>
+            </a:r>
+          </a:p>
+          <a:p>
+            <a:r>
+              <a:rPr lang="zh-CN" altLang="en-US" dirty="0"/>
+              <a:t>{</a:t>
+            </a:r>
+          </a:p>
+          <a:p>
+            <a:r>
+              <a:rPr lang="zh-CN" altLang="en-US" dirty="0"/>
+              <a:t>     </a:t>
+            </a:r>
+            <a:r>
+              <a:rPr lang="en-US" altLang="zh-CN" dirty="0"/>
+              <a:t>	</a:t>
+            </a:r>
+            <a:r>
+              <a:rPr lang="zh-CN" altLang="en-US" dirty="0"/>
+              <a:t>GPIOB-&gt;BRR=GPIO_Pin_5;//LED0亮</a:t>
+            </a:r>
+          </a:p>
+          <a:p>
+            <a:r>
+              <a:rPr lang="zh-CN" altLang="en-US" dirty="0"/>
+              <a:t>	 GPIOE-&gt;BSRR=GPIO_Pin_5;//LED1灭</a:t>
+            </a:r>
+          </a:p>
+          <a:p>
+            <a:r>
+              <a:rPr lang="zh-CN" altLang="en-US" dirty="0"/>
+              <a:t>	delay_ms(300);</a:t>
+            </a:r>
+          </a:p>
+          <a:p>
+            <a:r>
+              <a:rPr lang="zh-CN" altLang="en-US" dirty="0"/>
+              <a:t>     </a:t>
+            </a:r>
+            <a:r>
+              <a:rPr lang="en-US" altLang="zh-CN" dirty="0"/>
+              <a:t>	</a:t>
+            </a:r>
+            <a:r>
+              <a:rPr lang="zh-CN" altLang="en-US" dirty="0"/>
+              <a:t>GPIOB-&gt;BSRR=GPIO_Pin_5;//LED0灭</a:t>
+            </a:r>
+          </a:p>
+          <a:p>
+            <a:r>
+              <a:rPr lang="zh-CN" altLang="en-US" dirty="0"/>
+              <a:t>	  GPIOE-&gt;BRR=GPIO_Pin_5;//LED1亮</a:t>
+            </a:r>
+          </a:p>
+          <a:p>
+            <a:r>
+              <a:rPr lang="zh-CN" altLang="en-US" dirty="0"/>
+              <a:t>	delay_ms(300);</a:t>
+            </a:r>
+          </a:p>
+          <a:p>
+            <a:r>
+              <a:rPr lang="zh-CN" altLang="en-US" dirty="0"/>
+              <a:t>}</a:t>
+            </a:r>
+          </a:p>
+          <a:p>
+            <a:r>
+              <a:rPr lang="zh-CN" altLang="en-US" dirty="0"/>
+              <a:t>}</a:t>
+            </a:r>
+          </a:p>
+        </p:txBody>
+      </p:sp>
+      <p:sp>
+        <p:nvSpPr>
+          <p:cNvPr id="12" name="文本框 11">
+            <a:extLst>
+              <a:ext uri="{FF2B5EF4-FFF2-40B4-BE49-F238E27FC236}">
+                <a16:creationId xmlns:a16="http://schemas.microsoft.com/office/drawing/2014/main" id="{E9E405C7-1187-4424-AB6E-E907F5BC693F}"/>
+              </a:ext>
+            </a:extLst>
+          </p:cNvPr>
+          <p:cNvSpPr txBox="1"/>
           <p:nvPr/>
-        </p:nvPicPr>
-        <p:blipFill rotWithShape="1">
-          <a:blip r:embed="rId5"/>
-          <a:srcRect l="1383" t="19936"/>
-          <a:stretch/>
-        </p:blipFill>
+        </p:nvSpPr>
         <p:spPr>
           <a:xfrm>
-            <a:off x="1371875" y="1914630"/>
-            <a:ext cx="9054825" cy="257376"/>
+            <a:off x="5916427" y="1090472"/>
+            <a:ext cx="6616882" cy="5632311"/>
           </a:xfrm>
           <a:prstGeom prst="rect">
             <a:avLst/>
           </a:prstGeom>
+          <a:noFill/>
         </p:spPr>
-      </p:pic>
-      <p:pic>
-        <p:nvPicPr>
-          <p:cNvPr id="9" name="图片 8">
-            <a:extLst>
-              <a:ext uri="{FF2B5EF4-FFF2-40B4-BE49-F238E27FC236}">
-                <a16:creationId xmlns:a16="http://schemas.microsoft.com/office/drawing/2014/main" id="{A5BF7B01-CE2A-4D7E-AF88-0E753FFC7B69}"/>
-              </a:ext>
-            </a:extLst>
-          </p:cNvPr>
-          <p:cNvPicPr>
-            <a:picLocks noChangeAspect="1"/>
-          </p:cNvPicPr>
+        <p:txBody>
+          <a:bodyPr wrap="square">
+            <a:spAutoFit/>
+          </a:bodyPr>
+          <a:lstStyle/>
+          <a:p>
+            <a:r>
+              <a:rPr lang="zh-CN" altLang="en-US" dirty="0"/>
+              <a:t>void LED_Init(void)</a:t>
+            </a:r>
+          </a:p>
+          <a:p>
+            <a:r>
+              <a:rPr lang="zh-CN" altLang="en-US" dirty="0"/>
+              <a:t>{</a:t>
+            </a:r>
+          </a:p>
+          <a:p>
+            <a:r>
+              <a:rPr lang="zh-CN" altLang="en-US" dirty="0"/>
+              <a:t> </a:t>
+            </a:r>
+          </a:p>
+          <a:p>
+            <a:r>
+              <a:rPr lang="zh-CN" altLang="en-US" dirty="0"/>
+              <a:t> GPIO_InitTypeDef  GPIO_InitStructure;</a:t>
+            </a:r>
+            <a:endParaRPr lang="en-US" altLang="zh-CN" dirty="0"/>
+          </a:p>
+          <a:p>
+            <a:r>
+              <a:rPr lang="zh-CN" altLang="en-US" dirty="0"/>
+              <a:t>	</a:t>
+            </a:r>
+          </a:p>
+          <a:p>
+            <a:r>
+              <a:rPr lang="zh-CN" altLang="en-US" dirty="0"/>
+              <a:t> RCC_APB2PeriphClockCmd(RCC_APB2Periph_GPIOB|</a:t>
+            </a:r>
+            <a:endParaRPr lang="en-US" altLang="zh-CN" dirty="0"/>
+          </a:p>
+          <a:p>
+            <a:r>
+              <a:rPr lang="zh-CN" altLang="en-US" dirty="0"/>
+              <a:t> RCC_APB2Periph_GPIOE, ENABLE);	 //使能PB,PE端口时钟</a:t>
+            </a:r>
+            <a:endParaRPr lang="en-US" altLang="zh-CN" dirty="0"/>
+          </a:p>
+          <a:p>
+            <a:r>
+              <a:rPr lang="zh-CN" altLang="en-US" dirty="0"/>
+              <a:t>	</a:t>
+            </a:r>
+          </a:p>
+          <a:p>
+            <a:r>
+              <a:rPr lang="zh-CN" altLang="en-US" dirty="0"/>
+              <a:t> GPIO_InitStructure.GPIO_Pin = GPIO_Pin_5;			        GPIO_InitStructure.GPIO_Mode = GPIO_Mode_Out_PP; GPIO_InitStructure.GPIO_Speed = GPIO_Speed_50MHz;	</a:t>
+            </a:r>
+            <a:endParaRPr lang="en-US" altLang="zh-CN" dirty="0"/>
+          </a:p>
+          <a:p>
+            <a:r>
+              <a:rPr lang="zh-CN" altLang="en-US" dirty="0"/>
+              <a:t>	</a:t>
+            </a:r>
+          </a:p>
+          <a:p>
+            <a:r>
+              <a:rPr lang="zh-CN" altLang="en-US" dirty="0">
+                <a:solidFill>
+                  <a:srgbClr val="FF0000"/>
+                </a:solidFill>
+              </a:rPr>
+              <a:t> GPIO_Init(GPIOB, &amp;GPIO_InitStructure);</a:t>
+            </a:r>
+            <a:r>
+              <a:rPr lang="zh-CN" altLang="en-US" dirty="0"/>
+              <a:t>		 GPIO_SetBits(GPIOB,GPIO_Pin_5);						</a:t>
+            </a:r>
+          </a:p>
+          <a:p>
+            <a:r>
+              <a:rPr lang="zh-CN" altLang="en-US" dirty="0"/>
+              <a:t> GPIO_InitStructure.GPIO_Pin = GPIO_Pin_5;	    		</a:t>
+            </a:r>
+          </a:p>
+          <a:p>
+            <a:r>
+              <a:rPr lang="zh-CN" altLang="en-US" dirty="0"/>
+              <a:t> GPIO_Init(GPIOE, &amp;GPIO_InitStructure);	  	</a:t>
+            </a:r>
+          </a:p>
+          <a:p>
+            <a:r>
+              <a:rPr lang="zh-CN" altLang="en-US" dirty="0"/>
+              <a:t> GPIO_SetBits(GPIOE,GPIO_Pin_5); 				</a:t>
+            </a:r>
+          </a:p>
+          <a:p>
+            <a:r>
+              <a:rPr lang="zh-CN" altLang="en-US" dirty="0"/>
+              <a:t>}</a:t>
+            </a:r>
+          </a:p>
+          <a:p>
+            <a:r>
+              <a:rPr lang="zh-CN" altLang="en-US" dirty="0"/>
+              <a:t>  </a:t>
+            </a:r>
+          </a:p>
+        </p:txBody>
+      </p:sp>
+      <p:sp>
+        <p:nvSpPr>
+          <p:cNvPr id="15" name="文本框 14">
+            <a:extLst>
+              <a:ext uri="{FF2B5EF4-FFF2-40B4-BE49-F238E27FC236}">
+                <a16:creationId xmlns:a16="http://schemas.microsoft.com/office/drawing/2014/main" id="{987FAFAE-2088-449C-813C-F74CC7C86690}"/>
+              </a:ext>
+            </a:extLst>
+          </p:cNvPr>
+          <p:cNvSpPr txBox="1"/>
           <p:nvPr/>
-        </p:nvPicPr>
-        <p:blipFill>
-          <a:blip r:embed="rId6"/>
-          <a:stretch>
-            <a:fillRect/>
-          </a:stretch>
-        </p:blipFill>
+        </p:nvSpPr>
         <p:spPr>
           <a:xfrm>
-            <a:off x="1244876" y="2639771"/>
-            <a:ext cx="9181824" cy="358816"/>
+            <a:off x="797860" y="891876"/>
+            <a:ext cx="2676860" cy="369332"/>
           </a:xfrm>
           <a:prstGeom prst="rect">
             <a:avLst/>
           </a:prstGeom>
+          <a:noFill/>
         </p:spPr>
-      </p:pic>
-      <p:pic>
-        <p:nvPicPr>
-          <p:cNvPr id="11" name="图片 10">
-            <a:extLst>
-              <a:ext uri="{FF2B5EF4-FFF2-40B4-BE49-F238E27FC236}">
-                <a16:creationId xmlns:a16="http://schemas.microsoft.com/office/drawing/2014/main" id="{C64DFFCA-90A3-4A1E-B546-8FA9B2442543}"/>
-              </a:ext>
-            </a:extLst>
-          </p:cNvPr>
-          <p:cNvPicPr>
-            <a:picLocks noChangeAspect="1"/>
-          </p:cNvPicPr>
+        <p:txBody>
+          <a:bodyPr wrap="square" numCol="1">
+            <a:spAutoFit/>
+          </a:bodyPr>
+          <a:lstStyle/>
+          <a:p>
+            <a:r>
+              <a:rPr lang="zh-CN" altLang="en-US" dirty="0"/>
+              <a:t>库函数版本例程代码：</a:t>
+            </a:r>
+            <a:endParaRPr lang="zh-CN" altLang="en-US" sz="1800" dirty="0"/>
+          </a:p>
+        </p:txBody>
+      </p:sp>
+      <p:sp>
+        <p:nvSpPr>
+          <p:cNvPr id="16" name="箭头: 右 15">
+            <a:extLst>
+              <a:ext uri="{FF2B5EF4-FFF2-40B4-BE49-F238E27FC236}">
+                <a16:creationId xmlns:a16="http://schemas.microsoft.com/office/drawing/2014/main" id="{04AF0F36-FA01-42D7-B3B6-43BA5EA2C248}"/>
+              </a:ext>
+            </a:extLst>
+          </p:cNvPr>
+          <p:cNvSpPr/>
           <p:nvPr/>
-        </p:nvPicPr>
-        <p:blipFill>
-          <a:blip r:embed="rId7"/>
-          <a:stretch>
-            <a:fillRect/>
-          </a:stretch>
-        </p:blipFill>
+        </p:nvSpPr>
         <p:spPr>
           <a:xfrm>
-            <a:off x="1244876" y="3429000"/>
-            <a:ext cx="9181824" cy="369010"/>
+            <a:off x="1635851" y="2419643"/>
+            <a:ext cx="4107766" cy="239151"/>
           </a:xfrm>
-          <a:prstGeom prst="rect">
-            <a:avLst/>
-          </a:prstGeom>
-        </p:spPr>
-      </p:pic>
-      <p:sp>
-        <p:nvSpPr>
-          <p:cNvPr id="13" name="箭头: 下 12">
-            <a:extLst>
-              <a:ext uri="{FF2B5EF4-FFF2-40B4-BE49-F238E27FC236}">
-                <a16:creationId xmlns:a16="http://schemas.microsoft.com/office/drawing/2014/main" id="{733E66DF-803D-4BBB-B9D1-51EF369357AD}"/>
-              </a:ext>
-            </a:extLst>
-          </p:cNvPr>
-          <p:cNvSpPr/>
-          <p:nvPr/>
-        </p:nvSpPr>
-        <p:spPr>
-          <a:xfrm>
-            <a:off x="5562737" y="3893640"/>
-            <a:ext cx="673100" cy="571500"/>
-          </a:xfrm>
-          <a:prstGeom prst="downArrow">
+          <a:prstGeom prst="rightArrow">
             <a:avLst/>
           </a:prstGeom>
         </p:spPr>
@@ -5684,75 +5716,56 @@
           </a:p>
         </p:txBody>
       </p:sp>
-      <p:pic>
-        <p:nvPicPr>
-          <p:cNvPr id="17" name="图片 16">
-            <a:extLst>
-              <a:ext uri="{FF2B5EF4-FFF2-40B4-BE49-F238E27FC236}">
-                <a16:creationId xmlns:a16="http://schemas.microsoft.com/office/drawing/2014/main" id="{BC2200D3-CA10-45DD-95F2-64079CBFCC48}"/>
-              </a:ext>
-            </a:extLst>
-          </p:cNvPr>
-          <p:cNvPicPr>
-            <a:picLocks noChangeAspect="1"/>
-          </p:cNvPicPr>
+      <p:sp>
+        <p:nvSpPr>
+          <p:cNvPr id="19" name="矩形 18">
+            <a:extLst>
+              <a:ext uri="{FF2B5EF4-FFF2-40B4-BE49-F238E27FC236}">
+                <a16:creationId xmlns:a16="http://schemas.microsoft.com/office/drawing/2014/main" id="{3A40E49B-FA78-4DF3-AA0F-38E4DDC47C47}"/>
+              </a:ext>
+            </a:extLst>
+          </p:cNvPr>
+          <p:cNvSpPr/>
           <p:nvPr/>
-        </p:nvPicPr>
-        <p:blipFill rotWithShape="1">
-          <a:blip r:embed="rId8"/>
-          <a:srcRect r="28812" b="-10726"/>
-          <a:stretch/>
-        </p:blipFill>
+        </p:nvSpPr>
         <p:spPr>
           <a:xfrm>
-            <a:off x="2730776" y="4560770"/>
-            <a:ext cx="6464024" cy="571500"/>
+            <a:off x="5794375" y="1197708"/>
+            <a:ext cx="122052" cy="5252134"/>
           </a:xfrm>
           <a:prstGeom prst="rect">
             <a:avLst/>
           </a:prstGeom>
         </p:spPr>
-      </p:pic>
-      <p:sp>
-        <p:nvSpPr>
-          <p:cNvPr id="18" name="文本框 17">
-            <a:extLst>
-              <a:ext uri="{FF2B5EF4-FFF2-40B4-BE49-F238E27FC236}">
-                <a16:creationId xmlns:a16="http://schemas.microsoft.com/office/drawing/2014/main" id="{5D8860E5-074F-48F2-A0EF-7E76A3CFAF92}"/>
-              </a:ext>
-            </a:extLst>
-          </p:cNvPr>
-          <p:cNvSpPr txBox="1"/>
-          <p:nvPr/>
-        </p:nvSpPr>
-        <p:spPr>
-          <a:xfrm>
-            <a:off x="930693" y="5710364"/>
-            <a:ext cx="10330614" cy="369332"/>
-          </a:xfrm>
-          <a:prstGeom prst="rect">
-            <a:avLst/>
-          </a:prstGeom>
-          <a:noFill/>
-        </p:spPr>
-        <p:txBody>
-          <a:bodyPr wrap="square" numCol="1">
-            <a:spAutoFit/>
-          </a:bodyPr>
-          <a:lstStyle/>
-          <a:p>
-            <a:r>
-              <a:rPr lang="zh-CN" altLang="en-US" dirty="0"/>
-              <a:t>通过宏定义的嵌套，将长而难记的寄存器地址转换为容易记忆且理解的代码，有助于用户编写代码。</a:t>
-            </a:r>
-            <a:endParaRPr lang="zh-CN" altLang="en-US" sz="1800" dirty="0"/>
+        <p:style>
+          <a:lnRef idx="2">
+            <a:schemeClr val="accent1">
+              <a:shade val="50000"/>
+            </a:schemeClr>
+          </a:lnRef>
+          <a:fillRef idx="1">
+            <a:schemeClr val="accent1"/>
+          </a:fillRef>
+          <a:effectRef idx="0">
+            <a:schemeClr val="accent1"/>
+          </a:effectRef>
+          <a:fontRef idx="minor">
+            <a:schemeClr val="lt1"/>
+          </a:fontRef>
+        </p:style>
+        <p:txBody>
+          <a:bodyPr rtlCol="0" anchor="ctr"/>
+          <a:lstStyle/>
+          <a:p>
+            <a:pPr algn="ctr"/>
+            <a:endParaRPr lang="zh-CN" altLang="en-US"/>
           </a:p>
         </p:txBody>
       </p:sp>
     </p:spTree>
     <p:extLst>
       <p:ext uri="{BB962C8B-B14F-4D97-AF65-F5344CB8AC3E}">
-        <p14:creationId xmlns:p14="http://schemas.microsoft.com/office/powerpoint/2010/main" val="2059639913"/>
+        <p14:creationId xmlns:p14="http://schemas.microsoft.com/office/powerpoint/2010/main" val="1487562780"/>
       </p:ext>
     </p:extLst>
   </p:cSld>
